--- a/7_TensorFlow/graphs.pptx
+++ b/7_TensorFlow/graphs.pptx
@@ -3577,7 +3577,7 @@
         </p:nvSpPr>
         <p:spPr>
           <a:xfrm>
-            <a:off x="2774369" y="2276872"/>
+            <a:off x="2763692" y="1965724"/>
             <a:ext cx="3600400" cy="923598"/>
           </a:xfrm>
           <a:prstGeom prst="rect">
@@ -3623,7 +3623,7 @@
         </p:nvSpPr>
         <p:spPr>
           <a:xfrm>
-            <a:off x="2774369" y="1553073"/>
+            <a:off x="2763692" y="1241925"/>
             <a:ext cx="3600400" cy="252028"/>
           </a:xfrm>
           <a:prstGeom prst="rect">
@@ -3681,7 +3681,7 @@
         </p:nvSpPr>
         <p:spPr>
           <a:xfrm>
-            <a:off x="2774369" y="2042052"/>
+            <a:off x="2763692" y="1730904"/>
             <a:ext cx="3600400" cy="252028"/>
           </a:xfrm>
           <a:prstGeom prst="rect">
@@ -3739,7 +3739,7 @@
         </p:nvSpPr>
         <p:spPr>
           <a:xfrm>
-            <a:off x="3674469" y="2654488"/>
+            <a:off x="3663792" y="2343340"/>
             <a:ext cx="1800201" cy="252028"/>
           </a:xfrm>
           <a:prstGeom prst="rect">
@@ -3797,7 +3797,7 @@
         </p:nvSpPr>
         <p:spPr>
           <a:xfrm>
-            <a:off x="3674469" y="2889322"/>
+            <a:off x="3663792" y="2578174"/>
             <a:ext cx="1800201" cy="252028"/>
           </a:xfrm>
           <a:prstGeom prst="rect">
@@ -3855,7 +3855,7 @@
         </p:nvSpPr>
         <p:spPr>
           <a:xfrm>
-            <a:off x="2774369" y="4357711"/>
+            <a:off x="2774369" y="4609739"/>
             <a:ext cx="3600400" cy="252028"/>
           </a:xfrm>
           <a:prstGeom prst="rect">
@@ -3945,7 +3945,7 @@
         </p:nvSpPr>
         <p:spPr>
           <a:xfrm>
-            <a:off x="2774369" y="4966922"/>
+            <a:off x="2774369" y="5218950"/>
             <a:ext cx="3600400" cy="252028"/>
           </a:xfrm>
           <a:prstGeom prst="rect">
@@ -4003,7 +4003,7 @@
         </p:nvSpPr>
         <p:spPr>
           <a:xfrm>
-            <a:off x="2774369" y="3748499"/>
+            <a:off x="2774369" y="4000527"/>
             <a:ext cx="3600400" cy="252028"/>
           </a:xfrm>
           <a:prstGeom prst="rect">
@@ -4069,7 +4069,7 @@
         </p:nvSpPr>
         <p:spPr>
           <a:xfrm>
-            <a:off x="4486108" y="4000527"/>
+            <a:off x="4486108" y="4252555"/>
             <a:ext cx="176923" cy="357184"/>
           </a:xfrm>
           <a:prstGeom prst="downArrow">
@@ -4115,7 +4115,7 @@
         </p:nvSpPr>
         <p:spPr>
           <a:xfrm>
-            <a:off x="4486108" y="4609739"/>
+            <a:off x="4486108" y="4861767"/>
             <a:ext cx="176923" cy="350708"/>
           </a:xfrm>
           <a:prstGeom prst="downArrow">
@@ -4161,7 +4161,7 @@
         </p:nvSpPr>
         <p:spPr>
           <a:xfrm>
-            <a:off x="4476303" y="1070994"/>
+            <a:off x="4476303" y="759845"/>
             <a:ext cx="196532" cy="482080"/>
           </a:xfrm>
           <a:prstGeom prst="downArrow">
@@ -4207,7 +4207,7 @@
         </p:nvSpPr>
         <p:spPr>
           <a:xfrm>
-            <a:off x="4503685" y="1805101"/>
+            <a:off x="4493008" y="1493953"/>
             <a:ext cx="141769" cy="236951"/>
           </a:xfrm>
           <a:prstGeom prst="downArrow">
@@ -4253,8 +4253,8 @@
         </p:nvSpPr>
         <p:spPr>
           <a:xfrm>
-            <a:off x="4482330" y="5221878"/>
-            <a:ext cx="184478" cy="546359"/>
+            <a:off x="4482330" y="5470978"/>
+            <a:ext cx="163124" cy="297259"/>
           </a:xfrm>
           <a:prstGeom prst="downArrow">
             <a:avLst/>
@@ -4294,13 +4294,16 @@
       <p:cxnSp>
         <p:nvCxnSpPr>
           <p:cNvPr id="31" name="直接箭头连接符 30"/>
-          <p:cNvCxnSpPr/>
+          <p:cNvCxnSpPr>
+            <a:stCxn id="49" idx="2"/>
+            <a:endCxn id="38" idx="0"/>
+          </p:cNvCxnSpPr>
           <p:nvPr/>
         </p:nvCxnSpPr>
         <p:spPr>
-          <a:xfrm flipH="1">
-            <a:off x="4573284" y="3300599"/>
-            <a:ext cx="2571" cy="447900"/>
+          <a:xfrm>
+            <a:off x="4563892" y="2889322"/>
+            <a:ext cx="10677" cy="1111205"/>
           </a:xfrm>
           <a:prstGeom prst="straightConnector1">
             <a:avLst/>
@@ -4336,7 +4339,7 @@
         </p:nvGrpSpPr>
         <p:grpSpPr>
           <a:xfrm>
-            <a:off x="3792195" y="2348880"/>
+            <a:off x="3781518" y="2037732"/>
             <a:ext cx="1643901" cy="288032"/>
             <a:chOff x="3796574" y="2425080"/>
             <a:chExt cx="1643901" cy="288032"/>
@@ -4487,6 +4490,70 @@
           </p:txBody>
         </p:sp>
       </p:grpSp>
+      <p:pic>
+        <p:nvPicPr>
+          <p:cNvPr id="50" name="Picture 10"/>
+          <p:cNvPicPr>
+            <a:picLocks noChangeAspect="1" noChangeArrowheads="1"/>
+          </p:cNvPicPr>
+          <p:nvPr/>
+        </p:nvPicPr>
+        <p:blipFill>
+          <a:blip r:embed="rId2" cstate="print">
+            <a:extLst>
+              <a:ext uri="{28A0092B-C50C-407E-A947-70E740481C1C}">
+                <a14:useLocalDpi xmlns:a14="http://schemas.microsoft.com/office/drawing/2010/main" val="0"/>
+              </a:ext>
+            </a:extLst>
+          </a:blip>
+          <a:srcRect/>
+          <a:stretch>
+            <a:fillRect/>
+          </a:stretch>
+        </p:blipFill>
+        <p:spPr bwMode="auto">
+          <a:xfrm>
+            <a:off x="3474429" y="3084884"/>
+            <a:ext cx="2258077" cy="720080"/>
+          </a:xfrm>
+          <a:prstGeom prst="rect">
+            <a:avLst/>
+          </a:prstGeom>
+          <a:noFill/>
+          <a:ln>
+            <a:noFill/>
+          </a:ln>
+          <a:effectLst/>
+          <a:extLst>
+            <a:ext uri="{909E8E84-426E-40DD-AFC4-6F175D3DCCD1}">
+              <a14:hiddenFill xmlns:a14="http://schemas.microsoft.com/office/drawing/2010/main">
+                <a:solidFill>
+                  <a:schemeClr val="accent1"/>
+                </a:solidFill>
+              </a14:hiddenFill>
+            </a:ext>
+            <a:ext uri="{91240B29-F687-4F45-9708-019B960494DF}">
+              <a14:hiddenLine xmlns:a14="http://schemas.microsoft.com/office/drawing/2010/main" w="9525">
+                <a:solidFill>
+                  <a:schemeClr val="tx1"/>
+                </a:solidFill>
+                <a:miter lim="800000"/>
+                <a:headEnd/>
+                <a:tailEnd/>
+              </a14:hiddenLine>
+            </a:ext>
+            <a:ext uri="{AF507438-7753-43E0-B8FC-AC1667EBCBE1}">
+              <a14:hiddenEffects xmlns:a14="http://schemas.microsoft.com/office/drawing/2010/main">
+                <a:effectLst>
+                  <a:outerShdw dist="35921" dir="2700000" algn="ctr" rotWithShape="0">
+                    <a:schemeClr val="bg2"/>
+                  </a:outerShdw>
+                </a:effectLst>
+              </a14:hiddenEffects>
+            </a:ext>
+          </a:extLst>
+        </p:spPr>
+      </p:pic>
     </p:spTree>
     <p:extLst>
       <p:ext uri="{BB962C8B-B14F-4D97-AF65-F5344CB8AC3E}">
@@ -4517,129 +4584,192 @@
           <a:chExt cx="0" cy="0"/>
         </a:xfrm>
       </p:grpSpPr>
-      <p:sp>
-        <p:nvSpPr>
-          <p:cNvPr id="7" name="矩形 6"/>
-          <p:cNvSpPr/>
-          <p:nvPr/>
-        </p:nvSpPr>
-        <p:spPr>
-          <a:xfrm>
-            <a:off x="1026892" y="2780928"/>
-            <a:ext cx="664788" cy="504056"/>
-          </a:xfrm>
-          <a:prstGeom prst="rect">
-            <a:avLst/>
-          </a:prstGeom>
-          <a:solidFill>
-            <a:schemeClr val="bg1"/>
-          </a:solidFill>
-          <a:ln>
-            <a:solidFill>
-              <a:schemeClr val="bg1"/>
-            </a:solidFill>
-          </a:ln>
-        </p:spPr>
-        <p:style>
-          <a:lnRef idx="2">
-            <a:schemeClr val="accent1">
-              <a:shade val="50000"/>
-            </a:schemeClr>
-          </a:lnRef>
-          <a:fillRef idx="1">
-            <a:schemeClr val="accent1"/>
-          </a:fillRef>
-          <a:effectRef idx="0">
-            <a:schemeClr val="accent1"/>
-          </a:effectRef>
-          <a:fontRef idx="minor">
-            <a:schemeClr val="lt1"/>
-          </a:fontRef>
-        </p:style>
-        <p:txBody>
-          <a:bodyPr rtlCol="0" anchor="ctr"/>
-          <a:lstStyle/>
-          <a:p>
-            <a:pPr algn="ctr"/>
-            <a:endParaRPr lang="zh-CN" altLang="en-US"/>
-          </a:p>
-        </p:txBody>
-      </p:sp>
       <p:grpSp>
         <p:nvGrpSpPr>
-          <p:cNvPr id="21" name="组合 20"/>
+          <p:cNvPr id="2048" name="组合 2047"/>
           <p:cNvGrpSpPr/>
           <p:nvPr/>
         </p:nvGrpSpPr>
         <p:grpSpPr>
           <a:xfrm>
-            <a:off x="-108520" y="2718671"/>
-            <a:ext cx="2448272" cy="2222440"/>
-            <a:chOff x="-121430" y="2476500"/>
-            <a:chExt cx="2448272" cy="2222440"/>
+            <a:off x="-108520" y="2046303"/>
+            <a:ext cx="9252520" cy="2894808"/>
+            <a:chOff x="-108520" y="2046303"/>
+            <a:chExt cx="9252520" cy="2894808"/>
           </a:xfrm>
         </p:grpSpPr>
-        <p:pic>
-          <p:nvPicPr>
-            <p:cNvPr id="2050" name="Picture 2" descr="D:\Dropbox\229_Project_Shared\1_Core\9_VLFeat\yong-small.png"/>
-            <p:cNvPicPr>
-              <a:picLocks noChangeAspect="1" noChangeArrowheads="1"/>
-            </p:cNvPicPr>
+        <p:grpSp>
+          <p:nvGrpSpPr>
+            <p:cNvPr id="21" name="组合 20"/>
+            <p:cNvGrpSpPr/>
             <p:nvPr/>
-          </p:nvPicPr>
-          <p:blipFill rotWithShape="1">
-            <a:blip r:embed="rId2">
+          </p:nvGrpSpPr>
+          <p:grpSpPr>
+            <a:xfrm>
+              <a:off x="-108520" y="2718671"/>
+              <a:ext cx="2448272" cy="2222440"/>
+              <a:chOff x="-121430" y="2476500"/>
+              <a:chExt cx="2448272" cy="2222440"/>
+            </a:xfrm>
+          </p:grpSpPr>
+          <p:pic>
+            <p:nvPicPr>
+              <p:cNvPr id="2050" name="Picture 2" descr="D:\Dropbox\229_Project_Shared\1_Core\9_VLFeat\yong-small.png"/>
+              <p:cNvPicPr>
+                <a:picLocks noChangeAspect="1" noChangeArrowheads="1"/>
+              </p:cNvPicPr>
+              <p:nvPr/>
+            </p:nvPicPr>
+            <p:blipFill rotWithShape="1">
+              <a:blip r:embed="rId2">
+                <a:extLst>
+                  <a:ext uri="{28A0092B-C50C-407E-A947-70E740481C1C}">
+                    <a14:useLocalDpi xmlns:a14="http://schemas.microsoft.com/office/drawing/2010/main" val="0"/>
+                  </a:ext>
+                </a:extLst>
+              </a:blip>
+              <a:srcRect r="5502" b="1108"/>
+              <a:stretch/>
+            </p:blipFill>
+            <p:spPr bwMode="auto">
+              <a:xfrm>
+                <a:off x="179512" y="2476500"/>
+                <a:ext cx="1800200" cy="1883886"/>
+              </a:xfrm>
+              <a:prstGeom prst="rect">
+                <a:avLst/>
+              </a:prstGeom>
+              <a:noFill/>
+              <a:ln>
+                <a:solidFill>
+                  <a:schemeClr val="bg1">
+                    <a:lumMod val="50000"/>
+                  </a:schemeClr>
+                </a:solidFill>
+              </a:ln>
               <a:extLst>
-                <a:ext uri="{28A0092B-C50C-407E-A947-70E740481C1C}">
-                  <a14:useLocalDpi xmlns:a14="http://schemas.microsoft.com/office/drawing/2010/main" val="0"/>
+                <a:ext uri="{909E8E84-426E-40DD-AFC4-6F175D3DCCD1}">
+                  <a14:hiddenFill xmlns:a14="http://schemas.microsoft.com/office/drawing/2010/main">
+                    <a:solidFill>
+                      <a:srgbClr val="FFFFFF"/>
+                    </a:solidFill>
+                  </a14:hiddenFill>
                 </a:ext>
               </a:extLst>
-            </a:blip>
-            <a:srcRect r="5502" b="1108"/>
-            <a:stretch/>
-          </p:blipFill>
-          <p:spPr bwMode="auto">
+            </p:spPr>
+          </p:pic>
+          <p:sp>
+            <p:nvSpPr>
+              <p:cNvPr id="6" name="TextBox 5"/>
+              <p:cNvSpPr txBox="1"/>
+              <p:nvPr/>
+            </p:nvSpPr>
+            <p:spPr>
+              <a:xfrm>
+                <a:off x="-121430" y="4360386"/>
+                <a:ext cx="2448272" cy="338554"/>
+              </a:xfrm>
+              <a:prstGeom prst="rect">
+                <a:avLst/>
+              </a:prstGeom>
+              <a:noFill/>
+            </p:spPr>
+            <p:txBody>
+              <a:bodyPr wrap="square" rtlCol="0">
+                <a:spAutoFit/>
+              </a:bodyPr>
+              <a:lstStyle/>
+              <a:p>
+                <a:pPr algn="ctr"/>
+                <a:r>
+                  <a:rPr lang="en-US" altLang="zh-CN" sz="1600" b="1" dirty="0" smtClean="0">
+                    <a:solidFill>
+                      <a:schemeClr val="bg1">
+                        <a:lumMod val="50000"/>
+                      </a:schemeClr>
+                    </a:solidFill>
+                  </a:rPr>
+                  <a:t>Weathered Character</a:t>
+                </a:r>
+                <a:endParaRPr lang="zh-CN" altLang="en-US" sz="1600" b="1" dirty="0">
+                  <a:solidFill>
+                    <a:schemeClr val="bg1">
+                      <a:lumMod val="50000"/>
+                    </a:schemeClr>
+                  </a:solidFill>
+                </a:endParaRPr>
+              </a:p>
+            </p:txBody>
+          </p:sp>
+        </p:grpSp>
+        <p:sp>
+          <p:nvSpPr>
+            <p:cNvPr id="7" name="矩形 6"/>
+            <p:cNvSpPr/>
+            <p:nvPr/>
+          </p:nvSpPr>
+          <p:spPr>
             <a:xfrm>
-              <a:off x="179512" y="2476500"/>
-              <a:ext cx="1800200" cy="1883886"/>
+              <a:off x="1026892" y="2780928"/>
+              <a:ext cx="664788" cy="504056"/>
+            </a:xfrm>
+            <a:prstGeom prst="rect">
+              <a:avLst/>
+            </a:prstGeom>
+            <a:solidFill>
+              <a:schemeClr val="bg1"/>
+            </a:solidFill>
+            <a:ln>
+              <a:solidFill>
+                <a:schemeClr val="bg1"/>
+              </a:solidFill>
+            </a:ln>
+          </p:spPr>
+          <p:style>
+            <a:lnRef idx="2">
+              <a:schemeClr val="accent1">
+                <a:shade val="50000"/>
+              </a:schemeClr>
+            </a:lnRef>
+            <a:fillRef idx="1">
+              <a:schemeClr val="accent1"/>
+            </a:fillRef>
+            <a:effectRef idx="0">
+              <a:schemeClr val="accent1"/>
+            </a:effectRef>
+            <a:fontRef idx="minor">
+              <a:schemeClr val="lt1"/>
+            </a:fontRef>
+          </p:style>
+          <p:txBody>
+            <a:bodyPr rtlCol="0" anchor="ctr"/>
+            <a:lstStyle/>
+            <a:p>
+              <a:pPr algn="ctr"/>
+              <a:endParaRPr lang="zh-CN" altLang="en-US"/>
+            </a:p>
+          </p:txBody>
+        </p:sp>
+        <p:sp>
+          <p:nvSpPr>
+            <p:cNvPr id="9" name="TextBox 8"/>
+            <p:cNvSpPr txBox="1"/>
+            <p:nvPr/>
+          </p:nvSpPr>
+          <p:spPr>
+            <a:xfrm>
+              <a:off x="2532682" y="3502719"/>
+              <a:ext cx="1944216" cy="338554"/>
             </a:xfrm>
             <a:prstGeom prst="rect">
               <a:avLst/>
             </a:prstGeom>
             <a:noFill/>
-            <a:ln>
+            <a:ln w="19050">
               <a:solidFill>
-                <a:schemeClr val="bg1">
-                  <a:lumMod val="50000"/>
-                </a:schemeClr>
+                <a:srgbClr val="7030A0"/>
               </a:solidFill>
             </a:ln>
-            <a:extLst>
-              <a:ext uri="{909E8E84-426E-40DD-AFC4-6F175D3DCCD1}">
-                <a14:hiddenFill xmlns:a14="http://schemas.microsoft.com/office/drawing/2010/main">
-                  <a:solidFill>
-                    <a:srgbClr val="FFFFFF"/>
-                  </a:solidFill>
-                </a14:hiddenFill>
-              </a:ext>
-            </a:extLst>
-          </p:spPr>
-        </p:pic>
-        <p:sp>
-          <p:nvSpPr>
-            <p:cNvPr id="6" name="TextBox 5"/>
-            <p:cNvSpPr txBox="1"/>
-            <p:nvPr/>
-          </p:nvSpPr>
-          <p:spPr>
-            <a:xfrm>
-              <a:off x="-121430" y="4360386"/>
-              <a:ext cx="2448272" cy="338554"/>
-            </a:xfrm>
-            <a:prstGeom prst="rect">
-              <a:avLst/>
-            </a:prstGeom>
-            <a:noFill/>
           </p:spPr>
           <p:txBody>
             <a:bodyPr wrap="square" rtlCol="0">
@@ -4656,7 +4786,7 @@
                     </a:schemeClr>
                   </a:solidFill>
                 </a:rPr>
-                <a:t>Weathered Character</a:t>
+                <a:t>Font Classification</a:t>
               </a:r>
               <a:endParaRPr lang="zh-CN" altLang="en-US" sz="1600" b="1" dirty="0">
                 <a:solidFill>
@@ -4668,219 +4798,26 @@
             </a:p>
           </p:txBody>
         </p:sp>
-      </p:grpSp>
-      <p:sp>
-        <p:nvSpPr>
-          <p:cNvPr id="9" name="TextBox 8"/>
-          <p:cNvSpPr txBox="1"/>
-          <p:nvPr/>
-        </p:nvSpPr>
-        <p:spPr>
-          <a:xfrm>
-            <a:off x="2532682" y="3502719"/>
-            <a:ext cx="1944216" cy="338554"/>
-          </a:xfrm>
-          <a:prstGeom prst="rect">
-            <a:avLst/>
-          </a:prstGeom>
-          <a:noFill/>
-          <a:ln w="19050">
-            <a:solidFill>
-              <a:srgbClr val="7030A0"/>
-            </a:solidFill>
-          </a:ln>
-        </p:spPr>
-        <p:txBody>
-          <a:bodyPr wrap="square" rtlCol="0">
-            <a:spAutoFit/>
-          </a:bodyPr>
-          <a:lstStyle/>
-          <a:p>
-            <a:pPr algn="ctr"/>
-            <a:r>
-              <a:rPr lang="en-US" altLang="zh-CN" sz="1600" b="1" dirty="0" smtClean="0">
-                <a:solidFill>
-                  <a:schemeClr val="bg1">
-                    <a:lumMod val="50000"/>
-                  </a:schemeClr>
-                </a:solidFill>
-              </a:rPr>
-              <a:t>Font Classification</a:t>
-            </a:r>
-            <a:endParaRPr lang="zh-CN" altLang="en-US" sz="1600" b="1" dirty="0">
-              <a:solidFill>
-                <a:schemeClr val="bg1">
-                  <a:lumMod val="50000"/>
-                </a:schemeClr>
-              </a:solidFill>
-            </a:endParaRPr>
-          </a:p>
-        </p:txBody>
-      </p:sp>
-      <p:sp>
-        <p:nvSpPr>
-          <p:cNvPr id="10" name="TextBox 9"/>
-          <p:cNvSpPr txBox="1"/>
-          <p:nvPr/>
-        </p:nvSpPr>
-        <p:spPr>
-          <a:xfrm>
-            <a:off x="4788024" y="2718671"/>
-            <a:ext cx="1944216" cy="338554"/>
-          </a:xfrm>
-          <a:prstGeom prst="rect">
-            <a:avLst/>
-          </a:prstGeom>
-          <a:noFill/>
-          <a:ln w="19050">
-            <a:solidFill>
-              <a:srgbClr val="7030A0"/>
-            </a:solidFill>
-          </a:ln>
-        </p:spPr>
-        <p:txBody>
-          <a:bodyPr wrap="square" rtlCol="0">
-            <a:spAutoFit/>
-          </a:bodyPr>
-          <a:lstStyle/>
-          <a:p>
-            <a:pPr algn="ctr"/>
-            <a:r>
-              <a:rPr lang="en-US" altLang="zh-CN" sz="1600" b="1" dirty="0" smtClean="0">
-                <a:solidFill>
-                  <a:schemeClr val="bg1">
-                    <a:lumMod val="50000"/>
-                  </a:schemeClr>
-                </a:solidFill>
-              </a:rPr>
-              <a:t>Font Learning</a:t>
-            </a:r>
-            <a:endParaRPr lang="zh-CN" altLang="en-US" sz="1600" b="1" dirty="0">
-              <a:solidFill>
-                <a:schemeClr val="bg1">
-                  <a:lumMod val="50000"/>
-                </a:schemeClr>
-              </a:solidFill>
-            </a:endParaRPr>
-          </a:p>
-        </p:txBody>
-      </p:sp>
-      <p:sp>
-        <p:nvSpPr>
-          <p:cNvPr id="11" name="TextBox 10"/>
-          <p:cNvSpPr txBox="1"/>
-          <p:nvPr/>
-        </p:nvSpPr>
-        <p:spPr>
-          <a:xfrm>
-            <a:off x="4788024" y="3502719"/>
-            <a:ext cx="1944216" cy="338554"/>
-          </a:xfrm>
-          <a:prstGeom prst="rect">
-            <a:avLst/>
-          </a:prstGeom>
-          <a:noFill/>
-          <a:ln w="19050">
-            <a:solidFill>
-              <a:srgbClr val="7030A0"/>
-            </a:solidFill>
-          </a:ln>
-        </p:spPr>
-        <p:txBody>
-          <a:bodyPr wrap="square" rtlCol="0">
-            <a:spAutoFit/>
-          </a:bodyPr>
-          <a:lstStyle/>
-          <a:p>
-            <a:pPr algn="ctr"/>
-            <a:r>
-              <a:rPr lang="en-US" altLang="zh-CN" sz="1600" b="1" dirty="0" smtClean="0">
-                <a:solidFill>
-                  <a:schemeClr val="bg1">
-                    <a:lumMod val="50000"/>
-                  </a:schemeClr>
-                </a:solidFill>
-              </a:rPr>
-              <a:t>Reconstruction</a:t>
-            </a:r>
-            <a:endParaRPr lang="zh-CN" altLang="en-US" sz="1600" b="1" dirty="0">
-              <a:solidFill>
-                <a:schemeClr val="bg1">
-                  <a:lumMod val="50000"/>
-                </a:schemeClr>
-              </a:solidFill>
-            </a:endParaRPr>
-          </a:p>
-        </p:txBody>
-      </p:sp>
-      <p:cxnSp>
-        <p:nvCxnSpPr>
-          <p:cNvPr id="15" name="直接连接符 14"/>
-          <p:cNvCxnSpPr>
-            <a:endCxn id="11" idx="0"/>
-          </p:cNvCxnSpPr>
-          <p:nvPr/>
-        </p:nvCxnSpPr>
-        <p:spPr>
-          <a:xfrm>
-            <a:off x="5760132" y="3032956"/>
-            <a:ext cx="0" cy="469763"/>
-          </a:xfrm>
-          <a:prstGeom prst="line">
-            <a:avLst/>
-          </a:prstGeom>
-          <a:ln w="19050">
-            <a:solidFill>
-              <a:srgbClr val="7030A0"/>
-            </a:solidFill>
-            <a:headEnd type="none" w="med" len="med"/>
-            <a:tailEnd type="triangle" w="med" len="med"/>
-          </a:ln>
-        </p:spPr>
-        <p:style>
-          <a:lnRef idx="1">
-            <a:schemeClr val="accent1"/>
-          </a:lnRef>
-          <a:fillRef idx="0">
-            <a:schemeClr val="accent1"/>
-          </a:fillRef>
-          <a:effectRef idx="0">
-            <a:schemeClr val="accent1"/>
-          </a:effectRef>
-          <a:fontRef idx="minor">
-            <a:schemeClr val="tx1"/>
-          </a:fontRef>
-        </p:style>
-      </p:cxnSp>
-      <p:grpSp>
-        <p:nvGrpSpPr>
-          <p:cNvPr id="22" name="组合 21"/>
-          <p:cNvGrpSpPr/>
-          <p:nvPr/>
-        </p:nvGrpSpPr>
-        <p:grpSpPr>
-          <a:xfrm>
-            <a:off x="6695728" y="2701779"/>
-            <a:ext cx="2448272" cy="2239332"/>
-            <a:chOff x="6372200" y="2468240"/>
-            <a:chExt cx="2448272" cy="2239332"/>
-          </a:xfrm>
-        </p:grpSpPr>
         <p:sp>
           <p:nvSpPr>
-            <p:cNvPr id="12" name="TextBox 11"/>
+            <p:cNvPr id="10" name="TextBox 9"/>
             <p:cNvSpPr txBox="1"/>
             <p:nvPr/>
           </p:nvSpPr>
           <p:spPr>
             <a:xfrm>
-              <a:off x="6372200" y="4369018"/>
-              <a:ext cx="2448272" cy="338554"/>
+              <a:off x="4788024" y="2718671"/>
+              <a:ext cx="1944216" cy="338554"/>
             </a:xfrm>
             <a:prstGeom prst="rect">
               <a:avLst/>
             </a:prstGeom>
             <a:noFill/>
+            <a:ln w="19050">
+              <a:solidFill>
+                <a:srgbClr val="7030A0"/>
+              </a:solidFill>
+            </a:ln>
           </p:spPr>
           <p:txBody>
             <a:bodyPr wrap="square" rtlCol="0">
@@ -4897,7 +4834,7 @@
                     </a:schemeClr>
                   </a:solidFill>
                 </a:rPr>
-                <a:t>Reconstructed Character</a:t>
+                <a:t>Font Learning</a:t>
               </a:r>
               <a:endParaRPr lang="zh-CN" altLang="en-US" sz="1600" b="1" dirty="0">
                 <a:solidFill>
@@ -4909,241 +4846,26 @@
             </a:p>
           </p:txBody>
         </p:sp>
-        <p:pic>
-          <p:nvPicPr>
-            <p:cNvPr id="17" name="Picture 2" descr="D:\Dropbox\229_Project_Shared\1_Core\9_VLFeat\yong-small.png"/>
-            <p:cNvPicPr>
-              <a:picLocks noChangeAspect="1" noChangeArrowheads="1"/>
-            </p:cNvPicPr>
+        <p:sp>
+          <p:nvSpPr>
+            <p:cNvPr id="11" name="TextBox 10"/>
+            <p:cNvSpPr txBox="1"/>
             <p:nvPr/>
-          </p:nvPicPr>
-          <p:blipFill rotWithShape="1">
-            <a:blip r:embed="rId2">
-              <a:extLst>
-                <a:ext uri="{28A0092B-C50C-407E-A947-70E740481C1C}">
-                  <a14:useLocalDpi xmlns:a14="http://schemas.microsoft.com/office/drawing/2010/main" val="0"/>
-                </a:ext>
-              </a:extLst>
-            </a:blip>
-            <a:srcRect r="5502" b="1108"/>
-            <a:stretch/>
-          </p:blipFill>
-          <p:spPr bwMode="auto">
+          </p:nvSpPr>
+          <p:spPr>
             <a:xfrm>
-              <a:off x="6660232" y="2468240"/>
-              <a:ext cx="1800200" cy="1883886"/>
+              <a:off x="4788024" y="3502719"/>
+              <a:ext cx="1944216" cy="338554"/>
             </a:xfrm>
             <a:prstGeom prst="rect">
               <a:avLst/>
             </a:prstGeom>
             <a:noFill/>
-            <a:ln>
+            <a:ln w="19050">
               <a:solidFill>
-                <a:schemeClr val="bg1">
-                  <a:lumMod val="50000"/>
-                </a:schemeClr>
+                <a:srgbClr val="7030A0"/>
               </a:solidFill>
             </a:ln>
-            <a:extLst>
-              <a:ext uri="{909E8E84-426E-40DD-AFC4-6F175D3DCCD1}">
-                <a14:hiddenFill xmlns:a14="http://schemas.microsoft.com/office/drawing/2010/main">
-                  <a:solidFill>
-                    <a:srgbClr val="FFFFFF"/>
-                  </a:solidFill>
-                </a14:hiddenFill>
-              </a:ext>
-            </a:extLst>
-          </p:spPr>
-        </p:pic>
-      </p:grpSp>
-      <p:cxnSp>
-        <p:nvCxnSpPr>
-          <p:cNvPr id="20" name="直接箭头连接符 19"/>
-          <p:cNvCxnSpPr/>
-          <p:nvPr/>
-        </p:nvCxnSpPr>
-        <p:spPr>
-          <a:xfrm>
-            <a:off x="1979712" y="3682290"/>
-            <a:ext cx="552970" cy="0"/>
-          </a:xfrm>
-          <a:prstGeom prst="straightConnector1">
-            <a:avLst/>
-          </a:prstGeom>
-          <a:ln w="28575">
-            <a:solidFill>
-              <a:srgbClr val="7030A0"/>
-            </a:solidFill>
-            <a:tailEnd type="arrow"/>
-          </a:ln>
-        </p:spPr>
-        <p:style>
-          <a:lnRef idx="1">
-            <a:schemeClr val="accent1"/>
-          </a:lnRef>
-          <a:fillRef idx="0">
-            <a:schemeClr val="accent1"/>
-          </a:fillRef>
-          <a:effectRef idx="0">
-            <a:schemeClr val="accent1"/>
-          </a:effectRef>
-          <a:fontRef idx="minor">
-            <a:schemeClr val="tx1"/>
-          </a:fontRef>
-        </p:style>
-      </p:cxnSp>
-      <p:grpSp>
-        <p:nvGrpSpPr>
-          <p:cNvPr id="27" name="组合 26"/>
-          <p:cNvGrpSpPr/>
-          <p:nvPr/>
-        </p:nvGrpSpPr>
-        <p:grpSpPr>
-          <a:xfrm>
-            <a:off x="4840428" y="2132396"/>
-            <a:ext cx="1891812" cy="488148"/>
-            <a:chOff x="4551224" y="1898336"/>
-            <a:chExt cx="1891812" cy="488148"/>
-          </a:xfrm>
-        </p:grpSpPr>
-        <p:pic>
-          <p:nvPicPr>
-            <p:cNvPr id="2051" name="Picture 3" descr="D:\Dropbox\229_Project_Shared\1_Core\9_VLFeat\char_img\Kai\kai_0025.png"/>
-            <p:cNvPicPr>
-              <a:picLocks noChangeAspect="1" noChangeArrowheads="1"/>
-            </p:cNvPicPr>
-            <p:nvPr/>
-          </p:nvPicPr>
-          <p:blipFill>
-            <a:blip r:embed="rId3">
-              <a:extLst>
-                <a:ext uri="{28A0092B-C50C-407E-A947-70E740481C1C}">
-                  <a14:useLocalDpi xmlns:a14="http://schemas.microsoft.com/office/drawing/2010/main" val="0"/>
-                </a:ext>
-              </a:extLst>
-            </a:blip>
-            <a:srcRect/>
-            <a:stretch>
-              <a:fillRect/>
-            </a:stretch>
-          </p:blipFill>
-          <p:spPr bwMode="auto">
-            <a:xfrm>
-              <a:off x="4551224" y="1905610"/>
-              <a:ext cx="473600" cy="473600"/>
-            </a:xfrm>
-            <a:prstGeom prst="rect">
-              <a:avLst/>
-            </a:prstGeom>
-            <a:noFill/>
-            <a:extLst>
-              <a:ext uri="{909E8E84-426E-40DD-AFC4-6F175D3DCCD1}">
-                <a14:hiddenFill xmlns:a14="http://schemas.microsoft.com/office/drawing/2010/main">
-                  <a:solidFill>
-                    <a:srgbClr val="FFFFFF"/>
-                  </a:solidFill>
-                </a14:hiddenFill>
-              </a:ext>
-            </a:extLst>
-          </p:spPr>
-        </p:pic>
-        <p:pic>
-          <p:nvPicPr>
-            <p:cNvPr id="2052" name="Picture 4" descr="D:\Dropbox\229_Project_Shared\1_Core\9_VLFeat\char_img\Kai\kai_0011.png"/>
-            <p:cNvPicPr>
-              <a:picLocks noChangeAspect="1" noChangeArrowheads="1"/>
-            </p:cNvPicPr>
-            <p:nvPr/>
-          </p:nvPicPr>
-          <p:blipFill>
-            <a:blip r:embed="rId4">
-              <a:extLst>
-                <a:ext uri="{28A0092B-C50C-407E-A947-70E740481C1C}">
-                  <a14:useLocalDpi xmlns:a14="http://schemas.microsoft.com/office/drawing/2010/main" val="0"/>
-                </a:ext>
-              </a:extLst>
-            </a:blip>
-            <a:srcRect/>
-            <a:stretch>
-              <a:fillRect/>
-            </a:stretch>
-          </p:blipFill>
-          <p:spPr bwMode="auto">
-            <a:xfrm>
-              <a:off x="5077662" y="1898336"/>
-              <a:ext cx="488148" cy="488148"/>
-            </a:xfrm>
-            <a:prstGeom prst="rect">
-              <a:avLst/>
-            </a:prstGeom>
-            <a:noFill/>
-            <a:extLst>
-              <a:ext uri="{909E8E84-426E-40DD-AFC4-6F175D3DCCD1}">
-                <a14:hiddenFill xmlns:a14="http://schemas.microsoft.com/office/drawing/2010/main">
-                  <a:solidFill>
-                    <a:srgbClr val="FFFFFF"/>
-                  </a:solidFill>
-                </a14:hiddenFill>
-              </a:ext>
-            </a:extLst>
-          </p:spPr>
-        </p:pic>
-        <p:pic>
-          <p:nvPicPr>
-            <p:cNvPr id="2053" name="Picture 5" descr="D:\Dropbox\229_Project_Shared\1_Core\9_VLFeat\char_img\Kai\kai_0016.png"/>
-            <p:cNvPicPr>
-              <a:picLocks noChangeAspect="1" noChangeArrowheads="1"/>
-            </p:cNvPicPr>
-            <p:nvPr/>
-          </p:nvPicPr>
-          <p:blipFill>
-            <a:blip r:embed="rId5">
-              <a:extLst>
-                <a:ext uri="{28A0092B-C50C-407E-A947-70E740481C1C}">
-                  <a14:useLocalDpi xmlns:a14="http://schemas.microsoft.com/office/drawing/2010/main" val="0"/>
-                </a:ext>
-              </a:extLst>
-            </a:blip>
-            <a:srcRect/>
-            <a:stretch>
-              <a:fillRect/>
-            </a:stretch>
-          </p:blipFill>
-          <p:spPr bwMode="auto">
-            <a:xfrm>
-              <a:off x="5962162" y="1905610"/>
-              <a:ext cx="480874" cy="480874"/>
-            </a:xfrm>
-            <a:prstGeom prst="rect">
-              <a:avLst/>
-            </a:prstGeom>
-            <a:noFill/>
-            <a:extLst>
-              <a:ext uri="{909E8E84-426E-40DD-AFC4-6F175D3DCCD1}">
-                <a14:hiddenFill xmlns:a14="http://schemas.microsoft.com/office/drawing/2010/main">
-                  <a:solidFill>
-                    <a:srgbClr val="FFFFFF"/>
-                  </a:solidFill>
-                </a14:hiddenFill>
-              </a:ext>
-            </a:extLst>
-          </p:spPr>
-        </p:pic>
-        <p:sp>
-          <p:nvSpPr>
-            <p:cNvPr id="26" name="TextBox 25"/>
-            <p:cNvSpPr txBox="1"/>
-            <p:nvPr/>
-          </p:nvSpPr>
-          <p:spPr>
-            <a:xfrm>
-              <a:off x="5561398" y="1922620"/>
-              <a:ext cx="397468" cy="369332"/>
-            </a:xfrm>
-            <a:prstGeom prst="rect">
-              <a:avLst/>
-            </a:prstGeom>
-            <a:noFill/>
           </p:spPr>
           <p:txBody>
             <a:bodyPr wrap="square" rtlCol="0">
@@ -5151,54 +4873,506 @@
             </a:bodyPr>
             <a:lstStyle/>
             <a:p>
+              <a:pPr algn="ctr"/>
               <a:r>
-                <a:rPr lang="en-US" altLang="zh-CN" b="1" dirty="0" smtClean="0"/>
-                <a:t>…</a:t>
+                <a:rPr lang="en-US" altLang="zh-CN" sz="1600" b="1" dirty="0" smtClean="0">
+                  <a:solidFill>
+                    <a:schemeClr val="bg1">
+                      <a:lumMod val="50000"/>
+                    </a:schemeClr>
+                  </a:solidFill>
+                </a:rPr>
+                <a:t>Reconstruction</a:t>
               </a:r>
-              <a:endParaRPr lang="zh-CN" altLang="en-US" b="1" dirty="0"/>
+              <a:endParaRPr lang="zh-CN" altLang="en-US" sz="1600" b="1" dirty="0">
+                <a:solidFill>
+                  <a:schemeClr val="bg1">
+                    <a:lumMod val="50000"/>
+                  </a:schemeClr>
+                </a:solidFill>
+              </a:endParaRPr>
+            </a:p>
+          </p:txBody>
+        </p:sp>
+        <p:cxnSp>
+          <p:nvCxnSpPr>
+            <p:cNvPr id="15" name="直接连接符 14"/>
+            <p:cNvCxnSpPr>
+              <a:endCxn id="11" idx="0"/>
+            </p:cNvCxnSpPr>
+            <p:nvPr/>
+          </p:nvCxnSpPr>
+          <p:spPr>
+            <a:xfrm>
+              <a:off x="5760132" y="3032956"/>
+              <a:ext cx="0" cy="469763"/>
+            </a:xfrm>
+            <a:prstGeom prst="line">
+              <a:avLst/>
+            </a:prstGeom>
+            <a:ln w="19050">
+              <a:solidFill>
+                <a:srgbClr val="7030A0"/>
+              </a:solidFill>
+              <a:headEnd type="none" w="med" len="med"/>
+              <a:tailEnd type="triangle" w="med" len="med"/>
+            </a:ln>
+          </p:spPr>
+          <p:style>
+            <a:lnRef idx="1">
+              <a:schemeClr val="accent1"/>
+            </a:lnRef>
+            <a:fillRef idx="0">
+              <a:schemeClr val="accent1"/>
+            </a:fillRef>
+            <a:effectRef idx="0">
+              <a:schemeClr val="accent1"/>
+            </a:effectRef>
+            <a:fontRef idx="minor">
+              <a:schemeClr val="tx1"/>
+            </a:fontRef>
+          </p:style>
+        </p:cxnSp>
+        <p:grpSp>
+          <p:nvGrpSpPr>
+            <p:cNvPr id="22" name="组合 21"/>
+            <p:cNvGrpSpPr/>
+            <p:nvPr/>
+          </p:nvGrpSpPr>
+          <p:grpSpPr>
+            <a:xfrm>
+              <a:off x="6695728" y="2701779"/>
+              <a:ext cx="2448272" cy="2239332"/>
+              <a:chOff x="6372200" y="2468240"/>
+              <a:chExt cx="2448272" cy="2239332"/>
+            </a:xfrm>
+          </p:grpSpPr>
+          <p:sp>
+            <p:nvSpPr>
+              <p:cNvPr id="12" name="TextBox 11"/>
+              <p:cNvSpPr txBox="1"/>
+              <p:nvPr/>
+            </p:nvSpPr>
+            <p:spPr>
+              <a:xfrm>
+                <a:off x="6372200" y="4369018"/>
+                <a:ext cx="2448272" cy="338554"/>
+              </a:xfrm>
+              <a:prstGeom prst="rect">
+                <a:avLst/>
+              </a:prstGeom>
+              <a:noFill/>
+            </p:spPr>
+            <p:txBody>
+              <a:bodyPr wrap="square" rtlCol="0">
+                <a:spAutoFit/>
+              </a:bodyPr>
+              <a:lstStyle/>
+              <a:p>
+                <a:pPr algn="ctr"/>
+                <a:r>
+                  <a:rPr lang="en-US" altLang="zh-CN" sz="1600" b="1" dirty="0" smtClean="0">
+                    <a:solidFill>
+                      <a:schemeClr val="bg1">
+                        <a:lumMod val="50000"/>
+                      </a:schemeClr>
+                    </a:solidFill>
+                  </a:rPr>
+                  <a:t>Reconstructed Character</a:t>
+                </a:r>
+                <a:endParaRPr lang="zh-CN" altLang="en-US" sz="1600" b="1" dirty="0">
+                  <a:solidFill>
+                    <a:schemeClr val="bg1">
+                      <a:lumMod val="50000"/>
+                    </a:schemeClr>
+                  </a:solidFill>
+                </a:endParaRPr>
+              </a:p>
+            </p:txBody>
+          </p:sp>
+          <p:pic>
+            <p:nvPicPr>
+              <p:cNvPr id="17" name="Picture 2" descr="D:\Dropbox\229_Project_Shared\1_Core\9_VLFeat\yong-small.png"/>
+              <p:cNvPicPr>
+                <a:picLocks noChangeAspect="1" noChangeArrowheads="1"/>
+              </p:cNvPicPr>
+              <p:nvPr/>
+            </p:nvPicPr>
+            <p:blipFill rotWithShape="1">
+              <a:blip r:embed="rId2">
+                <a:extLst>
+                  <a:ext uri="{28A0092B-C50C-407E-A947-70E740481C1C}">
+                    <a14:useLocalDpi xmlns:a14="http://schemas.microsoft.com/office/drawing/2010/main" val="0"/>
+                  </a:ext>
+                </a:extLst>
+              </a:blip>
+              <a:srcRect r="5502" b="1108"/>
+              <a:stretch/>
+            </p:blipFill>
+            <p:spPr bwMode="auto">
+              <a:xfrm>
+                <a:off x="6660232" y="2468240"/>
+                <a:ext cx="1800200" cy="1883886"/>
+              </a:xfrm>
+              <a:prstGeom prst="rect">
+                <a:avLst/>
+              </a:prstGeom>
+              <a:noFill/>
+              <a:ln>
+                <a:solidFill>
+                  <a:schemeClr val="bg1">
+                    <a:lumMod val="50000"/>
+                  </a:schemeClr>
+                </a:solidFill>
+              </a:ln>
+              <a:extLst>
+                <a:ext uri="{909E8E84-426E-40DD-AFC4-6F175D3DCCD1}">
+                  <a14:hiddenFill xmlns:a14="http://schemas.microsoft.com/office/drawing/2010/main">
+                    <a:solidFill>
+                      <a:srgbClr val="FFFFFF"/>
+                    </a:solidFill>
+                  </a14:hiddenFill>
+                </a:ext>
+              </a:extLst>
+            </p:spPr>
+          </p:pic>
+        </p:grpSp>
+        <p:cxnSp>
+          <p:nvCxnSpPr>
+            <p:cNvPr id="20" name="直接箭头连接符 19"/>
+            <p:cNvCxnSpPr/>
+            <p:nvPr/>
+          </p:nvCxnSpPr>
+          <p:spPr>
+            <a:xfrm>
+              <a:off x="1979712" y="3682290"/>
+              <a:ext cx="552970" cy="0"/>
+            </a:xfrm>
+            <a:prstGeom prst="straightConnector1">
+              <a:avLst/>
+            </a:prstGeom>
+            <a:ln w="28575">
+              <a:solidFill>
+                <a:srgbClr val="7030A0"/>
+              </a:solidFill>
+              <a:tailEnd type="arrow"/>
+            </a:ln>
+          </p:spPr>
+          <p:style>
+            <a:lnRef idx="1">
+              <a:schemeClr val="accent1"/>
+            </a:lnRef>
+            <a:fillRef idx="0">
+              <a:schemeClr val="accent1"/>
+            </a:fillRef>
+            <a:effectRef idx="0">
+              <a:schemeClr val="accent1"/>
+            </a:effectRef>
+            <a:fontRef idx="minor">
+              <a:schemeClr val="tx1"/>
+            </a:fontRef>
+          </p:style>
+        </p:cxnSp>
+        <p:grpSp>
+          <p:nvGrpSpPr>
+            <p:cNvPr id="27" name="组合 26"/>
+            <p:cNvGrpSpPr/>
+            <p:nvPr/>
+          </p:nvGrpSpPr>
+          <p:grpSpPr>
+            <a:xfrm>
+              <a:off x="4840428" y="2132396"/>
+              <a:ext cx="1891812" cy="488148"/>
+              <a:chOff x="4551224" y="1898336"/>
+              <a:chExt cx="1891812" cy="488148"/>
+            </a:xfrm>
+          </p:grpSpPr>
+          <p:pic>
+            <p:nvPicPr>
+              <p:cNvPr id="2051" name="Picture 3" descr="D:\Dropbox\229_Project_Shared\1_Core\9_VLFeat\char_img\Kai\kai_0025.png"/>
+              <p:cNvPicPr>
+                <a:picLocks noChangeAspect="1" noChangeArrowheads="1"/>
+              </p:cNvPicPr>
+              <p:nvPr/>
+            </p:nvPicPr>
+            <p:blipFill>
+              <a:blip r:embed="rId3">
+                <a:extLst>
+                  <a:ext uri="{28A0092B-C50C-407E-A947-70E740481C1C}">
+                    <a14:useLocalDpi xmlns:a14="http://schemas.microsoft.com/office/drawing/2010/main" val="0"/>
+                  </a:ext>
+                </a:extLst>
+              </a:blip>
+              <a:srcRect/>
+              <a:stretch>
+                <a:fillRect/>
+              </a:stretch>
+            </p:blipFill>
+            <p:spPr bwMode="auto">
+              <a:xfrm>
+                <a:off x="4551224" y="1905610"/>
+                <a:ext cx="473600" cy="473600"/>
+              </a:xfrm>
+              <a:prstGeom prst="rect">
+                <a:avLst/>
+              </a:prstGeom>
+              <a:noFill/>
+              <a:extLst>
+                <a:ext uri="{909E8E84-426E-40DD-AFC4-6F175D3DCCD1}">
+                  <a14:hiddenFill xmlns:a14="http://schemas.microsoft.com/office/drawing/2010/main">
+                    <a:solidFill>
+                      <a:srgbClr val="FFFFFF"/>
+                    </a:solidFill>
+                  </a14:hiddenFill>
+                </a:ext>
+              </a:extLst>
+            </p:spPr>
+          </p:pic>
+          <p:pic>
+            <p:nvPicPr>
+              <p:cNvPr id="2052" name="Picture 4" descr="D:\Dropbox\229_Project_Shared\1_Core\9_VLFeat\char_img\Kai\kai_0011.png"/>
+              <p:cNvPicPr>
+                <a:picLocks noChangeAspect="1" noChangeArrowheads="1"/>
+              </p:cNvPicPr>
+              <p:nvPr/>
+            </p:nvPicPr>
+            <p:blipFill>
+              <a:blip r:embed="rId4">
+                <a:extLst>
+                  <a:ext uri="{28A0092B-C50C-407E-A947-70E740481C1C}">
+                    <a14:useLocalDpi xmlns:a14="http://schemas.microsoft.com/office/drawing/2010/main" val="0"/>
+                  </a:ext>
+                </a:extLst>
+              </a:blip>
+              <a:srcRect/>
+              <a:stretch>
+                <a:fillRect/>
+              </a:stretch>
+            </p:blipFill>
+            <p:spPr bwMode="auto">
+              <a:xfrm>
+                <a:off x="5077662" y="1898336"/>
+                <a:ext cx="488148" cy="488148"/>
+              </a:xfrm>
+              <a:prstGeom prst="rect">
+                <a:avLst/>
+              </a:prstGeom>
+              <a:noFill/>
+              <a:extLst>
+                <a:ext uri="{909E8E84-426E-40DD-AFC4-6F175D3DCCD1}">
+                  <a14:hiddenFill xmlns:a14="http://schemas.microsoft.com/office/drawing/2010/main">
+                    <a:solidFill>
+                      <a:srgbClr val="FFFFFF"/>
+                    </a:solidFill>
+                  </a14:hiddenFill>
+                </a:ext>
+              </a:extLst>
+            </p:spPr>
+          </p:pic>
+          <p:pic>
+            <p:nvPicPr>
+              <p:cNvPr id="2053" name="Picture 5" descr="D:\Dropbox\229_Project_Shared\1_Core\9_VLFeat\char_img\Kai\kai_0016.png"/>
+              <p:cNvPicPr>
+                <a:picLocks noChangeAspect="1" noChangeArrowheads="1"/>
+              </p:cNvPicPr>
+              <p:nvPr/>
+            </p:nvPicPr>
+            <p:blipFill>
+              <a:blip r:embed="rId5">
+                <a:extLst>
+                  <a:ext uri="{28A0092B-C50C-407E-A947-70E740481C1C}">
+                    <a14:useLocalDpi xmlns:a14="http://schemas.microsoft.com/office/drawing/2010/main" val="0"/>
+                  </a:ext>
+                </a:extLst>
+              </a:blip>
+              <a:srcRect/>
+              <a:stretch>
+                <a:fillRect/>
+              </a:stretch>
+            </p:blipFill>
+            <p:spPr bwMode="auto">
+              <a:xfrm>
+                <a:off x="5962162" y="1905610"/>
+                <a:ext cx="480874" cy="480874"/>
+              </a:xfrm>
+              <a:prstGeom prst="rect">
+                <a:avLst/>
+              </a:prstGeom>
+              <a:noFill/>
+              <a:extLst>
+                <a:ext uri="{909E8E84-426E-40DD-AFC4-6F175D3DCCD1}">
+                  <a14:hiddenFill xmlns:a14="http://schemas.microsoft.com/office/drawing/2010/main">
+                    <a:solidFill>
+                      <a:srgbClr val="FFFFFF"/>
+                    </a:solidFill>
+                  </a14:hiddenFill>
+                </a:ext>
+              </a:extLst>
+            </p:spPr>
+          </p:pic>
+          <p:sp>
+            <p:nvSpPr>
+              <p:cNvPr id="26" name="TextBox 25"/>
+              <p:cNvSpPr txBox="1"/>
+              <p:nvPr/>
+            </p:nvSpPr>
+            <p:spPr>
+              <a:xfrm>
+                <a:off x="5561398" y="1922620"/>
+                <a:ext cx="397468" cy="369332"/>
+              </a:xfrm>
+              <a:prstGeom prst="rect">
+                <a:avLst/>
+              </a:prstGeom>
+              <a:noFill/>
+            </p:spPr>
+            <p:txBody>
+              <a:bodyPr wrap="square" rtlCol="0">
+                <a:spAutoFit/>
+              </a:bodyPr>
+              <a:lstStyle/>
+              <a:p>
+                <a:r>
+                  <a:rPr lang="en-US" altLang="zh-CN" b="1" dirty="0" smtClean="0"/>
+                  <a:t>…</a:t>
+                </a:r>
+                <a:endParaRPr lang="zh-CN" altLang="en-US" b="1" dirty="0"/>
+              </a:p>
+            </p:txBody>
+          </p:sp>
+        </p:grpSp>
+        <p:cxnSp>
+          <p:nvCxnSpPr>
+            <p:cNvPr id="32" name="直接箭头连接符 31"/>
+            <p:cNvCxnSpPr>
+              <a:stCxn id="9" idx="3"/>
+              <a:endCxn id="11" idx="1"/>
+            </p:cNvCxnSpPr>
+            <p:nvPr/>
+          </p:nvCxnSpPr>
+          <p:spPr>
+            <a:xfrm>
+              <a:off x="4476898" y="3671996"/>
+              <a:ext cx="311126" cy="0"/>
+            </a:xfrm>
+            <a:prstGeom prst="straightConnector1">
+              <a:avLst/>
+            </a:prstGeom>
+            <a:ln w="28575">
+              <a:solidFill>
+                <a:srgbClr val="7030A0"/>
+              </a:solidFill>
+              <a:tailEnd type="arrow"/>
+            </a:ln>
+          </p:spPr>
+          <p:style>
+            <a:lnRef idx="1">
+              <a:schemeClr val="accent1"/>
+            </a:lnRef>
+            <a:fillRef idx="0">
+              <a:schemeClr val="accent1"/>
+            </a:fillRef>
+            <a:effectRef idx="0">
+              <a:schemeClr val="accent1"/>
+            </a:effectRef>
+            <a:fontRef idx="minor">
+              <a:schemeClr val="tx1"/>
+            </a:fontRef>
+          </p:style>
+        </p:cxnSp>
+        <p:sp>
+          <p:nvSpPr>
+            <p:cNvPr id="36" name="矩形 35"/>
+            <p:cNvSpPr/>
+            <p:nvPr/>
+          </p:nvSpPr>
+          <p:spPr>
+            <a:xfrm>
+              <a:off x="223974" y="3841273"/>
+              <a:ext cx="664788" cy="504056"/>
+            </a:xfrm>
+            <a:prstGeom prst="rect">
+              <a:avLst/>
+            </a:prstGeom>
+            <a:solidFill>
+              <a:schemeClr val="bg1"/>
+            </a:solidFill>
+            <a:ln>
+              <a:solidFill>
+                <a:schemeClr val="bg1"/>
+              </a:solidFill>
+            </a:ln>
+          </p:spPr>
+          <p:style>
+            <a:lnRef idx="2">
+              <a:schemeClr val="accent1">
+                <a:shade val="50000"/>
+              </a:schemeClr>
+            </a:lnRef>
+            <a:fillRef idx="1">
+              <a:schemeClr val="accent1"/>
+            </a:fillRef>
+            <a:effectRef idx="0">
+              <a:schemeClr val="accent1"/>
+            </a:effectRef>
+            <a:fontRef idx="minor">
+              <a:schemeClr val="lt1"/>
+            </a:fontRef>
+          </p:style>
+          <p:txBody>
+            <a:bodyPr rtlCol="0" anchor="ctr"/>
+            <a:lstStyle/>
+            <a:p>
+              <a:pPr algn="ctr"/>
+              <a:endParaRPr lang="zh-CN" altLang="en-US"/>
+            </a:p>
+          </p:txBody>
+        </p:sp>
+        <p:sp>
+          <p:nvSpPr>
+            <p:cNvPr id="31" name="矩形 30"/>
+            <p:cNvSpPr/>
+            <p:nvPr/>
+          </p:nvSpPr>
+          <p:spPr>
+            <a:xfrm>
+              <a:off x="4788024" y="2046303"/>
+              <a:ext cx="1944216" cy="648072"/>
+            </a:xfrm>
+            <a:prstGeom prst="rect">
+              <a:avLst/>
+            </a:prstGeom>
+            <a:noFill/>
+            <a:ln w="6350">
+              <a:prstDash val="sysDot"/>
+            </a:ln>
+          </p:spPr>
+          <p:style>
+            <a:lnRef idx="2">
+              <a:schemeClr val="accent1">
+                <a:shade val="50000"/>
+              </a:schemeClr>
+            </a:lnRef>
+            <a:fillRef idx="1">
+              <a:schemeClr val="accent1"/>
+            </a:fillRef>
+            <a:effectRef idx="0">
+              <a:schemeClr val="accent1"/>
+            </a:effectRef>
+            <a:fontRef idx="minor">
+              <a:schemeClr val="lt1"/>
+            </a:fontRef>
+          </p:style>
+          <p:txBody>
+            <a:bodyPr rtlCol="0" anchor="ctr"/>
+            <a:lstStyle/>
+            <a:p>
+              <a:pPr algn="ctr"/>
+              <a:endParaRPr lang="zh-CN" altLang="en-US"/>
             </a:p>
           </p:txBody>
         </p:sp>
       </p:grpSp>
-      <p:cxnSp>
-        <p:nvCxnSpPr>
-          <p:cNvPr id="32" name="直接箭头连接符 31"/>
-          <p:cNvCxnSpPr>
-            <a:stCxn id="9" idx="3"/>
-            <a:endCxn id="11" idx="1"/>
-          </p:cNvCxnSpPr>
-          <p:nvPr/>
-        </p:nvCxnSpPr>
-        <p:spPr>
-          <a:xfrm>
-            <a:off x="4476898" y="3671996"/>
-            <a:ext cx="311126" cy="0"/>
-          </a:xfrm>
-          <a:prstGeom prst="straightConnector1">
-            <a:avLst/>
-          </a:prstGeom>
-          <a:ln w="28575">
-            <a:solidFill>
-              <a:srgbClr val="7030A0"/>
-            </a:solidFill>
-            <a:tailEnd type="arrow"/>
-          </a:ln>
-        </p:spPr>
-        <p:style>
-          <a:lnRef idx="1">
-            <a:schemeClr val="accent1"/>
-          </a:lnRef>
-          <a:fillRef idx="0">
-            <a:schemeClr val="accent1"/>
-          </a:fillRef>
-          <a:effectRef idx="0">
-            <a:schemeClr val="accent1"/>
-          </a:effectRef>
-          <a:fontRef idx="minor">
-            <a:schemeClr val="tx1"/>
-          </a:fontRef>
-        </p:style>
-      </p:cxnSp>
     </p:spTree>
     <p:extLst>
       <p:ext uri="{BB962C8B-B14F-4D97-AF65-F5344CB8AC3E}">
